--- a/tests/hexsticker.pptx
+++ b/tests/hexsticker.pptx
@@ -3328,6 +3328,615 @@
           <a:chExt cx="0" cy="0"/>
         </a:xfrm>
       </p:grpSpPr>
+      <p:cxnSp>
+        <p:nvCxnSpPr>
+          <p:cNvPr id="53" name="Straight Connector 52">
+            <a:extLst>
+              <a:ext uri="{FF2B5EF4-FFF2-40B4-BE49-F238E27FC236}">
+                <a16:creationId xmlns:a16="http://schemas.microsoft.com/office/drawing/2014/main" id="{4F78C7CC-CCE8-4254-AC5C-376158D02C61}"/>
+              </a:ext>
+            </a:extLst>
+          </p:cNvPr>
+          <p:cNvCxnSpPr/>
+          <p:nvPr/>
+        </p:nvCxnSpPr>
+        <p:spPr>
+          <a:xfrm>
+            <a:off x="1923485" y="6067644"/>
+            <a:ext cx="0" cy="216000"/>
+          </a:xfrm>
+          <a:prstGeom prst="line">
+            <a:avLst/>
+          </a:prstGeom>
+          <a:ln w="57150">
+            <a:solidFill>
+              <a:srgbClr val="FF0000"/>
+            </a:solidFill>
+          </a:ln>
+        </p:spPr>
+        <p:style>
+          <a:lnRef idx="1">
+            <a:schemeClr val="accent1"/>
+          </a:lnRef>
+          <a:fillRef idx="0">
+            <a:schemeClr val="accent1"/>
+          </a:fillRef>
+          <a:effectRef idx="0">
+            <a:schemeClr val="accent1"/>
+          </a:effectRef>
+          <a:fontRef idx="minor">
+            <a:schemeClr val="tx1"/>
+          </a:fontRef>
+        </p:style>
+      </p:cxnSp>
+      <p:cxnSp>
+        <p:nvCxnSpPr>
+          <p:cNvPr id="52" name="Straight Connector 51">
+            <a:extLst>
+              <a:ext uri="{FF2B5EF4-FFF2-40B4-BE49-F238E27FC236}">
+                <a16:creationId xmlns:a16="http://schemas.microsoft.com/office/drawing/2014/main" id="{0EEA3D00-A5D8-45B4-BE74-AEB87BF90CF8}"/>
+              </a:ext>
+            </a:extLst>
+          </p:cNvPr>
+          <p:cNvCxnSpPr/>
+          <p:nvPr/>
+        </p:nvCxnSpPr>
+        <p:spPr>
+          <a:xfrm>
+            <a:off x="3200597" y="5762844"/>
+            <a:ext cx="0" cy="540000"/>
+          </a:xfrm>
+          <a:prstGeom prst="line">
+            <a:avLst/>
+          </a:prstGeom>
+          <a:ln w="57150">
+            <a:solidFill>
+              <a:srgbClr val="FF0000"/>
+            </a:solidFill>
+          </a:ln>
+        </p:spPr>
+        <p:style>
+          <a:lnRef idx="1">
+            <a:schemeClr val="accent1"/>
+          </a:lnRef>
+          <a:fillRef idx="0">
+            <a:schemeClr val="accent1"/>
+          </a:fillRef>
+          <a:effectRef idx="0">
+            <a:schemeClr val="accent1"/>
+          </a:effectRef>
+          <a:fontRef idx="minor">
+            <a:schemeClr val="tx1"/>
+          </a:fontRef>
+        </p:style>
+      </p:cxnSp>
+      <p:cxnSp>
+        <p:nvCxnSpPr>
+          <p:cNvPr id="51" name="Straight Connector 50">
+            <a:extLst>
+              <a:ext uri="{FF2B5EF4-FFF2-40B4-BE49-F238E27FC236}">
+                <a16:creationId xmlns:a16="http://schemas.microsoft.com/office/drawing/2014/main" id="{0583D986-5427-4062-A7DB-E636FFCFE774}"/>
+              </a:ext>
+            </a:extLst>
+          </p:cNvPr>
+          <p:cNvCxnSpPr/>
+          <p:nvPr/>
+        </p:nvCxnSpPr>
+        <p:spPr>
+          <a:xfrm>
+            <a:off x="3121349" y="6031068"/>
+            <a:ext cx="0" cy="252000"/>
+          </a:xfrm>
+          <a:prstGeom prst="line">
+            <a:avLst/>
+          </a:prstGeom>
+          <a:ln w="57150">
+            <a:solidFill>
+              <a:srgbClr val="FF0000"/>
+            </a:solidFill>
+          </a:ln>
+        </p:spPr>
+        <p:style>
+          <a:lnRef idx="1">
+            <a:schemeClr val="accent1"/>
+          </a:lnRef>
+          <a:fillRef idx="0">
+            <a:schemeClr val="accent1"/>
+          </a:fillRef>
+          <a:effectRef idx="0">
+            <a:schemeClr val="accent1"/>
+          </a:effectRef>
+          <a:fontRef idx="minor">
+            <a:schemeClr val="tx1"/>
+          </a:fontRef>
+        </p:style>
+      </p:cxnSp>
+      <p:cxnSp>
+        <p:nvCxnSpPr>
+          <p:cNvPr id="50" name="Straight Connector 49">
+            <a:extLst>
+              <a:ext uri="{FF2B5EF4-FFF2-40B4-BE49-F238E27FC236}">
+                <a16:creationId xmlns:a16="http://schemas.microsoft.com/office/drawing/2014/main" id="{AEEF98C5-2B61-465B-8F89-08F02C939AC6}"/>
+              </a:ext>
+            </a:extLst>
+          </p:cNvPr>
+          <p:cNvCxnSpPr/>
+          <p:nvPr/>
+        </p:nvCxnSpPr>
+        <p:spPr>
+          <a:xfrm>
+            <a:off x="3032957" y="4662516"/>
+            <a:ext cx="0" cy="1656000"/>
+          </a:xfrm>
+          <a:prstGeom prst="line">
+            <a:avLst/>
+          </a:prstGeom>
+          <a:ln w="57150">
+            <a:solidFill>
+              <a:srgbClr val="FF0000"/>
+            </a:solidFill>
+          </a:ln>
+        </p:spPr>
+        <p:style>
+          <a:lnRef idx="1">
+            <a:schemeClr val="accent1"/>
+          </a:lnRef>
+          <a:fillRef idx="0">
+            <a:schemeClr val="accent1"/>
+          </a:fillRef>
+          <a:effectRef idx="0">
+            <a:schemeClr val="accent1"/>
+          </a:effectRef>
+          <a:fontRef idx="minor">
+            <a:schemeClr val="tx1"/>
+          </a:fontRef>
+        </p:style>
+      </p:cxnSp>
+      <p:cxnSp>
+        <p:nvCxnSpPr>
+          <p:cNvPr id="5" name="Straight Connector 4">
+            <a:extLst>
+              <a:ext uri="{FF2B5EF4-FFF2-40B4-BE49-F238E27FC236}">
+                <a16:creationId xmlns:a16="http://schemas.microsoft.com/office/drawing/2014/main" id="{43A5BE5F-D2EF-4A1C-9474-C4874EB8D879}"/>
+              </a:ext>
+            </a:extLst>
+          </p:cNvPr>
+          <p:cNvCxnSpPr/>
+          <p:nvPr/>
+        </p:nvCxnSpPr>
+        <p:spPr>
+          <a:xfrm>
+            <a:off x="1092819" y="4636644"/>
+            <a:ext cx="0" cy="1692000"/>
+          </a:xfrm>
+          <a:prstGeom prst="line">
+            <a:avLst/>
+          </a:prstGeom>
+          <a:ln w="57150"/>
+        </p:spPr>
+        <p:style>
+          <a:lnRef idx="1">
+            <a:schemeClr val="accent1"/>
+          </a:lnRef>
+          <a:fillRef idx="0">
+            <a:schemeClr val="accent1"/>
+          </a:fillRef>
+          <a:effectRef idx="0">
+            <a:schemeClr val="accent1"/>
+          </a:effectRef>
+          <a:fontRef idx="minor">
+            <a:schemeClr val="tx1"/>
+          </a:fontRef>
+        </p:style>
+      </p:cxnSp>
+      <p:cxnSp>
+        <p:nvCxnSpPr>
+          <p:cNvPr id="40" name="Straight Connector 39">
+            <a:extLst>
+              <a:ext uri="{FF2B5EF4-FFF2-40B4-BE49-F238E27FC236}">
+                <a16:creationId xmlns:a16="http://schemas.microsoft.com/office/drawing/2014/main" id="{9D91BBAC-FA71-4E11-9556-788181FBBDB7}"/>
+              </a:ext>
+            </a:extLst>
+          </p:cNvPr>
+          <p:cNvCxnSpPr>
+            <a:cxnSpLocks/>
+          </p:cNvCxnSpPr>
+          <p:nvPr/>
+        </p:nvCxnSpPr>
+        <p:spPr>
+          <a:xfrm rot="5400000">
+            <a:off x="2160221" y="5227548"/>
+            <a:ext cx="0" cy="2160000"/>
+          </a:xfrm>
+          <a:prstGeom prst="line">
+            <a:avLst/>
+          </a:prstGeom>
+          <a:ln w="57150"/>
+        </p:spPr>
+        <p:style>
+          <a:lnRef idx="1">
+            <a:schemeClr val="accent1"/>
+          </a:lnRef>
+          <a:fillRef idx="0">
+            <a:schemeClr val="accent1"/>
+          </a:fillRef>
+          <a:effectRef idx="0">
+            <a:schemeClr val="accent1"/>
+          </a:effectRef>
+          <a:fontRef idx="minor">
+            <a:schemeClr val="tx1"/>
+          </a:fontRef>
+        </p:style>
+      </p:cxnSp>
+      <p:cxnSp>
+        <p:nvCxnSpPr>
+          <p:cNvPr id="41" name="Straight Connector 40">
+            <a:extLst>
+              <a:ext uri="{FF2B5EF4-FFF2-40B4-BE49-F238E27FC236}">
+                <a16:creationId xmlns:a16="http://schemas.microsoft.com/office/drawing/2014/main" id="{95296398-426A-4174-B11A-144861821E12}"/>
+              </a:ext>
+            </a:extLst>
+          </p:cNvPr>
+          <p:cNvCxnSpPr/>
+          <p:nvPr/>
+        </p:nvCxnSpPr>
+        <p:spPr>
+          <a:xfrm>
+            <a:off x="2545277" y="5994492"/>
+            <a:ext cx="0" cy="288000"/>
+          </a:xfrm>
+          <a:prstGeom prst="line">
+            <a:avLst/>
+          </a:prstGeom>
+          <a:ln w="57150">
+            <a:solidFill>
+              <a:srgbClr val="FF0000"/>
+            </a:solidFill>
+          </a:ln>
+        </p:spPr>
+        <p:style>
+          <a:lnRef idx="1">
+            <a:schemeClr val="accent1"/>
+          </a:lnRef>
+          <a:fillRef idx="0">
+            <a:schemeClr val="accent1"/>
+          </a:fillRef>
+          <a:effectRef idx="0">
+            <a:schemeClr val="accent1"/>
+          </a:effectRef>
+          <a:fontRef idx="minor">
+            <a:schemeClr val="tx1"/>
+          </a:fontRef>
+        </p:style>
+      </p:cxnSp>
+      <p:cxnSp>
+        <p:nvCxnSpPr>
+          <p:cNvPr id="42" name="Straight Connector 41">
+            <a:extLst>
+              <a:ext uri="{FF2B5EF4-FFF2-40B4-BE49-F238E27FC236}">
+                <a16:creationId xmlns:a16="http://schemas.microsoft.com/office/drawing/2014/main" id="{2F196473-61CE-4CAA-9508-0CCE176CE7BA}"/>
+              </a:ext>
+            </a:extLst>
+          </p:cNvPr>
+          <p:cNvCxnSpPr/>
+          <p:nvPr/>
+        </p:nvCxnSpPr>
+        <p:spPr>
+          <a:xfrm>
+            <a:off x="2359349" y="5424516"/>
+            <a:ext cx="0" cy="864000"/>
+          </a:xfrm>
+          <a:prstGeom prst="line">
+            <a:avLst/>
+          </a:prstGeom>
+          <a:ln w="57150">
+            <a:solidFill>
+              <a:srgbClr val="FF0000"/>
+            </a:solidFill>
+          </a:ln>
+        </p:spPr>
+        <p:style>
+          <a:lnRef idx="1">
+            <a:schemeClr val="accent1"/>
+          </a:lnRef>
+          <a:fillRef idx="0">
+            <a:schemeClr val="accent1"/>
+          </a:fillRef>
+          <a:effectRef idx="0">
+            <a:schemeClr val="accent1"/>
+          </a:effectRef>
+          <a:fontRef idx="minor">
+            <a:schemeClr val="tx1"/>
+          </a:fontRef>
+        </p:style>
+      </p:cxnSp>
+      <p:cxnSp>
+        <p:nvCxnSpPr>
+          <p:cNvPr id="43" name="Straight Connector 42">
+            <a:extLst>
+              <a:ext uri="{FF2B5EF4-FFF2-40B4-BE49-F238E27FC236}">
+                <a16:creationId xmlns:a16="http://schemas.microsoft.com/office/drawing/2014/main" id="{ABDDD2F0-718B-499B-A537-EB136FF4B323}"/>
+              </a:ext>
+            </a:extLst>
+          </p:cNvPr>
+          <p:cNvCxnSpPr/>
+          <p:nvPr/>
+        </p:nvCxnSpPr>
+        <p:spPr>
+          <a:xfrm>
+            <a:off x="2450789" y="6174324"/>
+            <a:ext cx="0" cy="108000"/>
+          </a:xfrm>
+          <a:prstGeom prst="line">
+            <a:avLst/>
+          </a:prstGeom>
+          <a:ln w="57150">
+            <a:solidFill>
+              <a:srgbClr val="FF0000"/>
+            </a:solidFill>
+          </a:ln>
+        </p:spPr>
+        <p:style>
+          <a:lnRef idx="1">
+            <a:schemeClr val="accent1"/>
+          </a:lnRef>
+          <a:fillRef idx="0">
+            <a:schemeClr val="accent1"/>
+          </a:fillRef>
+          <a:effectRef idx="0">
+            <a:schemeClr val="accent1"/>
+          </a:effectRef>
+          <a:fontRef idx="minor">
+            <a:schemeClr val="tx1"/>
+          </a:fontRef>
+        </p:style>
+      </p:cxnSp>
+      <p:cxnSp>
+        <p:nvCxnSpPr>
+          <p:cNvPr id="44" name="Straight Connector 43">
+            <a:extLst>
+              <a:ext uri="{FF2B5EF4-FFF2-40B4-BE49-F238E27FC236}">
+                <a16:creationId xmlns:a16="http://schemas.microsoft.com/office/drawing/2014/main" id="{4D3E732B-A009-438B-9892-1409D15B503A}"/>
+              </a:ext>
+            </a:extLst>
+          </p:cNvPr>
+          <p:cNvCxnSpPr/>
+          <p:nvPr/>
+        </p:nvCxnSpPr>
+        <p:spPr>
+          <a:xfrm>
+            <a:off x="1999685" y="5924388"/>
+            <a:ext cx="0" cy="360000"/>
+          </a:xfrm>
+          <a:prstGeom prst="line">
+            <a:avLst/>
+          </a:prstGeom>
+          <a:ln w="57150">
+            <a:solidFill>
+              <a:srgbClr val="FF0000"/>
+            </a:solidFill>
+          </a:ln>
+        </p:spPr>
+        <p:style>
+          <a:lnRef idx="1">
+            <a:schemeClr val="accent1"/>
+          </a:lnRef>
+          <a:fillRef idx="0">
+            <a:schemeClr val="accent1"/>
+          </a:fillRef>
+          <a:effectRef idx="0">
+            <a:schemeClr val="accent1"/>
+          </a:effectRef>
+          <a:fontRef idx="minor">
+            <a:schemeClr val="tx1"/>
+          </a:fontRef>
+        </p:style>
+      </p:cxnSp>
+      <p:cxnSp>
+        <p:nvCxnSpPr>
+          <p:cNvPr id="45" name="Straight Connector 44">
+            <a:extLst>
+              <a:ext uri="{FF2B5EF4-FFF2-40B4-BE49-F238E27FC236}">
+                <a16:creationId xmlns:a16="http://schemas.microsoft.com/office/drawing/2014/main" id="{28C761B1-07A7-4B80-BB29-6147BBC97F44}"/>
+              </a:ext>
+            </a:extLst>
+          </p:cNvPr>
+          <p:cNvCxnSpPr/>
+          <p:nvPr/>
+        </p:nvCxnSpPr>
+        <p:spPr>
+          <a:xfrm>
+            <a:off x="2078933" y="6177372"/>
+            <a:ext cx="0" cy="108000"/>
+          </a:xfrm>
+          <a:prstGeom prst="line">
+            <a:avLst/>
+          </a:prstGeom>
+          <a:ln w="57150">
+            <a:solidFill>
+              <a:srgbClr val="FF0000"/>
+            </a:solidFill>
+          </a:ln>
+        </p:spPr>
+        <p:style>
+          <a:lnRef idx="1">
+            <a:schemeClr val="accent1"/>
+          </a:lnRef>
+          <a:fillRef idx="0">
+            <a:schemeClr val="accent1"/>
+          </a:fillRef>
+          <a:effectRef idx="0">
+            <a:schemeClr val="accent1"/>
+          </a:effectRef>
+          <a:fontRef idx="minor">
+            <a:schemeClr val="tx1"/>
+          </a:fontRef>
+        </p:style>
+      </p:cxnSp>
+      <p:cxnSp>
+        <p:nvCxnSpPr>
+          <p:cNvPr id="46" name="Straight Connector 45">
+            <a:extLst>
+              <a:ext uri="{FF2B5EF4-FFF2-40B4-BE49-F238E27FC236}">
+                <a16:creationId xmlns:a16="http://schemas.microsoft.com/office/drawing/2014/main" id="{21CD986C-0BD9-440F-BD3A-E0B9D64B2166}"/>
+              </a:ext>
+            </a:extLst>
+          </p:cNvPr>
+          <p:cNvCxnSpPr/>
+          <p:nvPr/>
+        </p:nvCxnSpPr>
+        <p:spPr>
+          <a:xfrm>
+            <a:off x="1576013" y="5811612"/>
+            <a:ext cx="0" cy="468000"/>
+          </a:xfrm>
+          <a:prstGeom prst="line">
+            <a:avLst/>
+          </a:prstGeom>
+          <a:ln w="57150">
+            <a:solidFill>
+              <a:srgbClr val="FF0000"/>
+            </a:solidFill>
+          </a:ln>
+        </p:spPr>
+        <p:style>
+          <a:lnRef idx="1">
+            <a:schemeClr val="accent1"/>
+          </a:lnRef>
+          <a:fillRef idx="0">
+            <a:schemeClr val="accent1"/>
+          </a:fillRef>
+          <a:effectRef idx="0">
+            <a:schemeClr val="accent1"/>
+          </a:effectRef>
+          <a:fontRef idx="minor">
+            <a:schemeClr val="tx1"/>
+          </a:fontRef>
+        </p:style>
+      </p:cxnSp>
+      <p:cxnSp>
+        <p:nvCxnSpPr>
+          <p:cNvPr id="47" name="Straight Connector 46">
+            <a:extLst>
+              <a:ext uri="{FF2B5EF4-FFF2-40B4-BE49-F238E27FC236}">
+                <a16:creationId xmlns:a16="http://schemas.microsoft.com/office/drawing/2014/main" id="{7B638461-C126-41AD-8BD5-420E8F632B2C}"/>
+              </a:ext>
+            </a:extLst>
+          </p:cNvPr>
+          <p:cNvCxnSpPr/>
+          <p:nvPr/>
+        </p:nvCxnSpPr>
+        <p:spPr>
+          <a:xfrm>
+            <a:off x="1700981" y="5991444"/>
+            <a:ext cx="0" cy="288000"/>
+          </a:xfrm>
+          <a:prstGeom prst="line">
+            <a:avLst/>
+          </a:prstGeom>
+          <a:ln w="57150">
+            <a:solidFill>
+              <a:srgbClr val="FF0000"/>
+            </a:solidFill>
+          </a:ln>
+        </p:spPr>
+        <p:style>
+          <a:lnRef idx="1">
+            <a:schemeClr val="accent1"/>
+          </a:lnRef>
+          <a:fillRef idx="0">
+            <a:schemeClr val="accent1"/>
+          </a:fillRef>
+          <a:effectRef idx="0">
+            <a:schemeClr val="accent1"/>
+          </a:effectRef>
+          <a:fontRef idx="minor">
+            <a:schemeClr val="tx1"/>
+          </a:fontRef>
+        </p:style>
+      </p:cxnSp>
+      <p:cxnSp>
+        <p:nvCxnSpPr>
+          <p:cNvPr id="48" name="Straight Connector 47">
+            <a:extLst>
+              <a:ext uri="{FF2B5EF4-FFF2-40B4-BE49-F238E27FC236}">
+                <a16:creationId xmlns:a16="http://schemas.microsoft.com/office/drawing/2014/main" id="{2D2BE51D-3338-4799-BEDE-005E3BED4340}"/>
+              </a:ext>
+            </a:extLst>
+          </p:cNvPr>
+          <p:cNvCxnSpPr/>
+          <p:nvPr/>
+        </p:nvCxnSpPr>
+        <p:spPr>
+          <a:xfrm>
+            <a:off x="1472381" y="5314788"/>
+            <a:ext cx="0" cy="972000"/>
+          </a:xfrm>
+          <a:prstGeom prst="line">
+            <a:avLst/>
+          </a:prstGeom>
+          <a:ln w="57150">
+            <a:solidFill>
+              <a:srgbClr val="FF0000"/>
+            </a:solidFill>
+          </a:ln>
+        </p:spPr>
+        <p:style>
+          <a:lnRef idx="1">
+            <a:schemeClr val="accent1"/>
+          </a:lnRef>
+          <a:fillRef idx="0">
+            <a:schemeClr val="accent1"/>
+          </a:fillRef>
+          <a:effectRef idx="0">
+            <a:schemeClr val="accent1"/>
+          </a:effectRef>
+          <a:fontRef idx="minor">
+            <a:schemeClr val="tx1"/>
+          </a:fontRef>
+        </p:style>
+      </p:cxnSp>
+      <p:cxnSp>
+        <p:nvCxnSpPr>
+          <p:cNvPr id="49" name="Straight Connector 48">
+            <a:extLst>
+              <a:ext uri="{FF2B5EF4-FFF2-40B4-BE49-F238E27FC236}">
+                <a16:creationId xmlns:a16="http://schemas.microsoft.com/office/drawing/2014/main" id="{1A71C0E0-5AAC-49A0-B756-4B6747CAD8DE}"/>
+              </a:ext>
+            </a:extLst>
+          </p:cNvPr>
+          <p:cNvCxnSpPr/>
+          <p:nvPr/>
+        </p:nvCxnSpPr>
+        <p:spPr>
+          <a:xfrm>
+            <a:off x="1368749" y="5814660"/>
+            <a:ext cx="0" cy="468000"/>
+          </a:xfrm>
+          <a:prstGeom prst="line">
+            <a:avLst/>
+          </a:prstGeom>
+          <a:ln w="57150">
+            <a:solidFill>
+              <a:srgbClr val="FF0000"/>
+            </a:solidFill>
+          </a:ln>
+        </p:spPr>
+        <p:style>
+          <a:lnRef idx="1">
+            <a:schemeClr val="accent1"/>
+          </a:lnRef>
+          <a:fillRef idx="0">
+            <a:schemeClr val="accent1"/>
+          </a:fillRef>
+          <a:effectRef idx="0">
+            <a:schemeClr val="accent1"/>
+          </a:effectRef>
+          <a:fontRef idx="minor">
+            <a:schemeClr val="tx1"/>
+          </a:fontRef>
+        </p:style>
+      </p:cxnSp>
       <p:sp>
         <p:nvSpPr>
           <p:cNvPr id="38" name="Freeform: Shape 37">
@@ -3342,7 +3951,7 @@
         </p:nvSpPr>
         <p:spPr>
           <a:xfrm>
-            <a:off x="5344951" y="4396434"/>
+            <a:off x="1559335" y="4614931"/>
             <a:ext cx="860079" cy="1182176"/>
           </a:xfrm>
           <a:custGeom>
@@ -3472,7 +4081,7 @@
         </p:nvSpPr>
         <p:spPr>
           <a:xfrm>
-            <a:off x="5187351" y="4534580"/>
+            <a:off x="1401735" y="4753077"/>
             <a:ext cx="860079" cy="1182176"/>
           </a:xfrm>
           <a:custGeom>
@@ -3602,7 +4211,7 @@
         </p:nvSpPr>
         <p:spPr>
           <a:xfrm flipH="1">
-            <a:off x="6030841" y="4534580"/>
+            <a:off x="2245225" y="4753077"/>
             <a:ext cx="860079" cy="1182176"/>
           </a:xfrm>
           <a:custGeom>
@@ -3732,7 +4341,7 @@
         </p:nvSpPr>
         <p:spPr>
           <a:xfrm>
-            <a:off x="5026440" y="4708109"/>
+            <a:off x="1240824" y="4926606"/>
             <a:ext cx="860079" cy="1182176"/>
           </a:xfrm>
           <a:custGeom>
@@ -3862,7 +4471,7 @@
         </p:nvSpPr>
         <p:spPr>
           <a:xfrm flipH="1">
-            <a:off x="5869930" y="4708109"/>
+            <a:off x="2084314" y="4926606"/>
             <a:ext cx="860079" cy="1182176"/>
           </a:xfrm>
           <a:custGeom>
@@ -3980,10 +4589,10 @@
       </p:sp>
       <p:grpSp>
         <p:nvGrpSpPr>
-          <p:cNvPr id="25" name="Group 24">
-            <a:extLst>
-              <a:ext uri="{FF2B5EF4-FFF2-40B4-BE49-F238E27FC236}">
-                <a16:creationId xmlns:a16="http://schemas.microsoft.com/office/drawing/2014/main" id="{1722F226-1869-8E41-815F-BB265B7B6D53}"/>
+          <p:cNvPr id="2" name="Group 1">
+            <a:extLst>
+              <a:ext uri="{FF2B5EF4-FFF2-40B4-BE49-F238E27FC236}">
+                <a16:creationId xmlns:a16="http://schemas.microsoft.com/office/drawing/2014/main" id="{9EE62A03-0923-D148-96E5-750FD63540D7}"/>
               </a:ext>
             </a:extLst>
           </p:cNvPr>
@@ -3992,422 +4601,7 @@
         </p:nvGrpSpPr>
         <p:grpSpPr>
           <a:xfrm>
-            <a:off x="-174735" y="302254"/>
-            <a:ext cx="3930285" cy="3051438"/>
-            <a:chOff x="1105853" y="3112532"/>
-            <a:chExt cx="3930285" cy="3051438"/>
-          </a:xfrm>
-        </p:grpSpPr>
-        <p:grpSp>
-          <p:nvGrpSpPr>
-            <p:cNvPr id="22" name="Group 21">
-              <a:extLst>
-                <a:ext uri="{FF2B5EF4-FFF2-40B4-BE49-F238E27FC236}">
-                  <a16:creationId xmlns:a16="http://schemas.microsoft.com/office/drawing/2014/main" id="{650D1902-47FF-2242-B336-0D2052D3BE04}"/>
-                </a:ext>
-              </a:extLst>
-            </p:cNvPr>
-            <p:cNvGrpSpPr/>
-            <p:nvPr/>
-          </p:nvGrpSpPr>
-          <p:grpSpPr>
-            <a:xfrm>
-              <a:off x="1105853" y="3112532"/>
-              <a:ext cx="3930285" cy="3051438"/>
-              <a:chOff x="1437530" y="3233922"/>
-              <a:chExt cx="3930285" cy="3051438"/>
-            </a:xfrm>
-          </p:grpSpPr>
-          <p:sp>
-            <p:nvSpPr>
-              <p:cNvPr id="9" name="Hexagon 8">
-                <a:extLst>
-                  <a:ext uri="{FF2B5EF4-FFF2-40B4-BE49-F238E27FC236}">
-                    <a16:creationId xmlns:a16="http://schemas.microsoft.com/office/drawing/2014/main" id="{31B49C59-83FA-844A-B1DE-60C8F25E914E}"/>
-                  </a:ext>
-                </a:extLst>
-              </p:cNvPr>
-              <p:cNvSpPr>
-                <a:spLocks noChangeAspect="1"/>
-              </p:cNvSpPr>
-              <p:nvPr/>
-            </p:nvSpPr>
-            <p:spPr>
-              <a:xfrm rot="1800000">
-                <a:off x="2099615" y="3605880"/>
-                <a:ext cx="2611301" cy="2273022"/>
-              </a:xfrm>
-              <a:prstGeom prst="hexagon">
-                <a:avLst>
-                  <a:gd name="adj" fmla="val 28372"/>
-                  <a:gd name="vf" fmla="val 115470"/>
-                </a:avLst>
-              </a:prstGeom>
-              <a:solidFill>
-                <a:schemeClr val="accent4">
-                  <a:lumMod val="20000"/>
-                  <a:lumOff val="80000"/>
-                </a:schemeClr>
-              </a:solidFill>
-              <a:ln w="69850">
-                <a:solidFill>
-                  <a:schemeClr val="tx1"/>
-                </a:solidFill>
-              </a:ln>
-            </p:spPr>
-            <p:style>
-              <a:lnRef idx="2">
-                <a:schemeClr val="accent1">
-                  <a:shade val="50000"/>
-                </a:schemeClr>
-              </a:lnRef>
-              <a:fillRef idx="1">
-                <a:schemeClr val="accent1"/>
-              </a:fillRef>
-              <a:effectRef idx="0">
-                <a:schemeClr val="accent1"/>
-              </a:effectRef>
-              <a:fontRef idx="minor">
-                <a:schemeClr val="lt1"/>
-              </a:fontRef>
-            </p:style>
-            <p:txBody>
-              <a:bodyPr rtlCol="0" anchor="ctr"/>
-              <a:lstStyle/>
-              <a:p>
-                <a:pPr algn="ctr"/>
-                <a:endParaRPr lang="en-US" dirty="0"/>
-              </a:p>
-            </p:txBody>
-          </p:sp>
-          <p:sp>
-            <p:nvSpPr>
-              <p:cNvPr id="11" name="TextBox 10">
-                <a:extLst>
-                  <a:ext uri="{FF2B5EF4-FFF2-40B4-BE49-F238E27FC236}">
-                    <a16:creationId xmlns:a16="http://schemas.microsoft.com/office/drawing/2014/main" id="{EBE895F9-9D5A-1B4D-A720-19BE2B31C910}"/>
-                  </a:ext>
-                </a:extLst>
-              </p:cNvPr>
-              <p:cNvSpPr txBox="1"/>
-              <p:nvPr/>
-            </p:nvSpPr>
-            <p:spPr>
-              <a:xfrm rot="19733941">
-                <a:off x="2136302" y="3528240"/>
-                <a:ext cx="2211213" cy="261610"/>
-              </a:xfrm>
-              <a:prstGeom prst="rect">
-                <a:avLst/>
-              </a:prstGeom>
-              <a:noFill/>
-            </p:spPr>
-            <p:txBody>
-              <a:bodyPr wrap="square" rtlCol="0">
-                <a:spAutoFit/>
-              </a:bodyPr>
-              <a:lstStyle/>
-              <a:p>
-                <a:r>
-                  <a:rPr lang="en-US" sz="1050" b="1" dirty="0">
-                    <a:latin typeface="Fira Sans" panose="020B0503050000020004" pitchFamily="34" charset="0"/>
-                  </a:rPr>
-                  <a:t>shinycustomloader</a:t>
-                </a:r>
-              </a:p>
-            </p:txBody>
-          </p:sp>
-          <p:sp>
-            <p:nvSpPr>
-              <p:cNvPr id="15" name="TextBox 14">
-                <a:extLst>
-                  <a:ext uri="{FF2B5EF4-FFF2-40B4-BE49-F238E27FC236}">
-                    <a16:creationId xmlns:a16="http://schemas.microsoft.com/office/drawing/2014/main" id="{B0FD5C7F-AC07-AC4E-8B7F-CFBADFDD503C}"/>
-                  </a:ext>
-                </a:extLst>
-              </p:cNvPr>
-              <p:cNvSpPr txBox="1"/>
-              <p:nvPr/>
-            </p:nvSpPr>
-            <p:spPr>
-              <a:xfrm rot="1826693">
-                <a:off x="3156602" y="3970980"/>
-                <a:ext cx="2211213" cy="261610"/>
-              </a:xfrm>
-              <a:prstGeom prst="rect">
-                <a:avLst/>
-              </a:prstGeom>
-              <a:noFill/>
-            </p:spPr>
-            <p:txBody>
-              <a:bodyPr wrap="square" rtlCol="0">
-                <a:spAutoFit/>
-              </a:bodyPr>
-              <a:lstStyle/>
-              <a:p>
-                <a:r>
-                  <a:rPr lang="en-US" sz="1050" b="1" dirty="0">
-                    <a:latin typeface="Fira Sans" panose="020B0503050000020004" pitchFamily="34" charset="0"/>
-                  </a:rPr>
-                  <a:t>shinycustomloader</a:t>
-                </a:r>
-              </a:p>
-            </p:txBody>
-          </p:sp>
-          <p:pic>
-            <p:nvPicPr>
-              <p:cNvPr id="16" name="Picture 15">
-                <a:extLst>
-                  <a:ext uri="{FF2B5EF4-FFF2-40B4-BE49-F238E27FC236}">
-                    <a16:creationId xmlns:a16="http://schemas.microsoft.com/office/drawing/2014/main" id="{65E255F4-C803-AC47-B6FE-468BA3BD9E68}"/>
-                  </a:ext>
-                </a:extLst>
-              </p:cNvPr>
-              <p:cNvPicPr>
-                <a:picLocks noChangeAspect="1"/>
-              </p:cNvPicPr>
-              <p:nvPr/>
-            </p:nvPicPr>
-            <p:blipFill>
-              <a:blip r:embed="rId2"/>
-              <a:stretch>
-                <a:fillRect/>
-              </a:stretch>
-            </p:blipFill>
-            <p:spPr>
-              <a:xfrm>
-                <a:off x="2718080" y="4084733"/>
-                <a:ext cx="1344659" cy="1344659"/>
-              </a:xfrm>
-              <a:prstGeom prst="rect">
-                <a:avLst/>
-              </a:prstGeom>
-            </p:spPr>
-          </p:pic>
-          <p:sp>
-            <p:nvSpPr>
-              <p:cNvPr id="17" name="TextBox 16">
-                <a:extLst>
-                  <a:ext uri="{FF2B5EF4-FFF2-40B4-BE49-F238E27FC236}">
-                    <a16:creationId xmlns:a16="http://schemas.microsoft.com/office/drawing/2014/main" id="{FD5CA8DE-3840-BA48-A3BE-A18C846ABAB0}"/>
-                  </a:ext>
-                </a:extLst>
-              </p:cNvPr>
-              <p:cNvSpPr txBox="1"/>
-              <p:nvPr/>
-            </p:nvSpPr>
-            <p:spPr>
-              <a:xfrm rot="5400000">
-                <a:off x="3329321" y="5048949"/>
-                <a:ext cx="2211213" cy="261610"/>
-              </a:xfrm>
-              <a:prstGeom prst="rect">
-                <a:avLst/>
-              </a:prstGeom>
-              <a:noFill/>
-            </p:spPr>
-            <p:txBody>
-              <a:bodyPr wrap="square" rtlCol="0">
-                <a:spAutoFit/>
-              </a:bodyPr>
-              <a:lstStyle/>
-              <a:p>
-                <a:r>
-                  <a:rPr lang="en-US" sz="1050" b="1" dirty="0">
-                    <a:latin typeface="Fira Sans" panose="020B0503050000020004" pitchFamily="34" charset="0"/>
-                  </a:rPr>
-                  <a:t>shinycustomloader</a:t>
-                </a:r>
-              </a:p>
-            </p:txBody>
-          </p:sp>
-          <p:sp>
-            <p:nvSpPr>
-              <p:cNvPr id="18" name="TextBox 17">
-                <a:extLst>
-                  <a:ext uri="{FF2B5EF4-FFF2-40B4-BE49-F238E27FC236}">
-                    <a16:creationId xmlns:a16="http://schemas.microsoft.com/office/drawing/2014/main" id="{55B1EBAC-B4A7-3D4F-998E-C7AB7F5FC136}"/>
-                  </a:ext>
-                </a:extLst>
-              </p:cNvPr>
-              <p:cNvSpPr txBox="1"/>
-              <p:nvPr/>
-            </p:nvSpPr>
-            <p:spPr>
-              <a:xfrm rot="8885002">
-                <a:off x="2440645" y="5741687"/>
-                <a:ext cx="2211213" cy="261610"/>
-              </a:xfrm>
-              <a:prstGeom prst="rect">
-                <a:avLst/>
-              </a:prstGeom>
-              <a:noFill/>
-            </p:spPr>
-            <p:txBody>
-              <a:bodyPr wrap="square" rtlCol="0">
-                <a:spAutoFit/>
-              </a:bodyPr>
-              <a:lstStyle/>
-              <a:p>
-                <a:r>
-                  <a:rPr lang="en-US" sz="1050" b="1" dirty="0">
-                    <a:latin typeface="Fira Sans" panose="020B0503050000020004" pitchFamily="34" charset="0"/>
-                  </a:rPr>
-                  <a:t>shinycustomloader</a:t>
-                </a:r>
-              </a:p>
-            </p:txBody>
-          </p:sp>
-          <p:sp>
-            <p:nvSpPr>
-              <p:cNvPr id="19" name="TextBox 18">
-                <a:extLst>
-                  <a:ext uri="{FF2B5EF4-FFF2-40B4-BE49-F238E27FC236}">
-                    <a16:creationId xmlns:a16="http://schemas.microsoft.com/office/drawing/2014/main" id="{8F786012-11EC-C341-BE9C-7916974631F6}"/>
-                  </a:ext>
-                </a:extLst>
-              </p:cNvPr>
-              <p:cNvSpPr txBox="1"/>
-              <p:nvPr/>
-            </p:nvSpPr>
-            <p:spPr>
-              <a:xfrm rot="12668743">
-                <a:off x="1437530" y="5287716"/>
-                <a:ext cx="2211213" cy="261610"/>
-              </a:xfrm>
-              <a:prstGeom prst="rect">
-                <a:avLst/>
-              </a:prstGeom>
-              <a:noFill/>
-            </p:spPr>
-            <p:txBody>
-              <a:bodyPr wrap="square" rtlCol="0">
-                <a:spAutoFit/>
-              </a:bodyPr>
-              <a:lstStyle/>
-              <a:p>
-                <a:r>
-                  <a:rPr lang="en-US" sz="1050" b="1" dirty="0">
-                    <a:latin typeface="Fira Sans" panose="020B0503050000020004" pitchFamily="34" charset="0"/>
-                  </a:rPr>
-                  <a:t>shinycustomloader</a:t>
-                </a:r>
-              </a:p>
-            </p:txBody>
-          </p:sp>
-          <p:sp>
-            <p:nvSpPr>
-              <p:cNvPr id="20" name="TextBox 19">
-                <a:extLst>
-                  <a:ext uri="{FF2B5EF4-FFF2-40B4-BE49-F238E27FC236}">
-                    <a16:creationId xmlns:a16="http://schemas.microsoft.com/office/drawing/2014/main" id="{BDF6217C-375B-8941-88DC-8CA681893C89}"/>
-                  </a:ext>
-                </a:extLst>
-              </p:cNvPr>
-              <p:cNvSpPr txBox="1"/>
-              <p:nvPr/>
-            </p:nvSpPr>
-            <p:spPr>
-              <a:xfrm rot="16200000">
-                <a:off x="1272938" y="4208724"/>
-                <a:ext cx="2211213" cy="261610"/>
-              </a:xfrm>
-              <a:prstGeom prst="rect">
-                <a:avLst/>
-              </a:prstGeom>
-              <a:noFill/>
-            </p:spPr>
-            <p:txBody>
-              <a:bodyPr wrap="square" rtlCol="0">
-                <a:spAutoFit/>
-              </a:bodyPr>
-              <a:lstStyle/>
-              <a:p>
-                <a:r>
-                  <a:rPr lang="en-US" sz="1050" b="1" dirty="0">
-                    <a:latin typeface="Fira Sans" panose="020B0503050000020004" pitchFamily="34" charset="0"/>
-                  </a:rPr>
-                  <a:t>shinycustomloader</a:t>
-                </a:r>
-              </a:p>
-            </p:txBody>
-          </p:sp>
-        </p:grpSp>
-        <p:sp>
-          <p:nvSpPr>
-            <p:cNvPr id="24" name="Rectangle 23">
-              <a:extLst>
-                <a:ext uri="{FF2B5EF4-FFF2-40B4-BE49-F238E27FC236}">
-                  <a16:creationId xmlns:a16="http://schemas.microsoft.com/office/drawing/2014/main" id="{A78A26EA-7943-3C4F-8756-B90456BD70B0}"/>
-                </a:ext>
-              </a:extLst>
-            </p:cNvPr>
-            <p:cNvSpPr/>
-            <p:nvPr/>
-          </p:nvSpPr>
-          <p:spPr>
-            <a:xfrm>
-              <a:off x="2378378" y="3907783"/>
-              <a:ext cx="1356773" cy="1879559"/>
-            </a:xfrm>
-            <a:prstGeom prst="rect">
-              <a:avLst/>
-            </a:prstGeom>
-            <a:noFill/>
-            <a:ln>
-              <a:noFill/>
-            </a:ln>
-          </p:spPr>
-          <p:txBody>
-            <a:bodyPr wrap="square" lIns="91440" tIns="45720" rIns="91440" bIns="45720">
-              <a:prstTxWarp prst="textArchUp">
-                <a:avLst/>
-              </a:prstTxWarp>
-              <a:spAutoFit/>
-            </a:bodyPr>
-            <a:lstStyle/>
-            <a:p>
-              <a:pPr algn="ctr"/>
-              <a:r>
-                <a:rPr lang="en-US" sz="3200" b="1" dirty="0">
-                  <a:ln w="12700">
-                    <a:solidFill>
-                      <a:schemeClr val="accent2"/>
-                    </a:solidFill>
-                    <a:prstDash val="solid"/>
-                  </a:ln>
-                  <a:solidFill>
-                    <a:schemeClr val="accent2"/>
-                  </a:solidFill>
-                  <a:effectLst>
-                    <a:outerShdw blurRad="50800" dist="38100" dir="5400000" algn="t" rotWithShape="0">
-                      <a:prstClr val="black">
-                        <a:alpha val="40000"/>
-                      </a:prstClr>
-                    </a:outerShdw>
-                  </a:effectLst>
-                </a:rPr>
-                <a:t>shinycustomloader</a:t>
-              </a:r>
-            </a:p>
-          </p:txBody>
-        </p:sp>
-      </p:grpSp>
-      <p:grpSp>
-        <p:nvGrpSpPr>
-          <p:cNvPr id="2" name="Group 1">
-            <a:extLst>
-              <a:ext uri="{FF2B5EF4-FFF2-40B4-BE49-F238E27FC236}">
-                <a16:creationId xmlns:a16="http://schemas.microsoft.com/office/drawing/2014/main" id="{9EE62A03-0923-D148-96E5-750FD63540D7}"/>
-              </a:ext>
-            </a:extLst>
-          </p:cNvPr>
-          <p:cNvGrpSpPr/>
-          <p:nvPr/>
-        </p:nvGrpSpPr>
-        <p:grpSpPr>
-          <a:xfrm>
-            <a:off x="1097790" y="3335902"/>
+            <a:off x="1591608" y="1141155"/>
             <a:ext cx="2721600" cy="2369033"/>
             <a:chOff x="4449163" y="1581680"/>
             <a:chExt cx="2721600" cy="2369033"/>
@@ -4541,156 +4735,19 @@
       </p:grpSp>
       <p:sp>
         <p:nvSpPr>
-          <p:cNvPr id="36" name="Hexagon 35">
-            <a:extLst>
-              <a:ext uri="{FF2B5EF4-FFF2-40B4-BE49-F238E27FC236}">
-                <a16:creationId xmlns:a16="http://schemas.microsoft.com/office/drawing/2014/main" id="{90E46B38-1301-774F-8904-FFF8966BD8C2}"/>
-              </a:ext>
-            </a:extLst>
-          </p:cNvPr>
-          <p:cNvSpPr>
-            <a:spLocks noChangeAspect="1"/>
-          </p:cNvSpPr>
+          <p:cNvPr id="13" name="Freeform: Shape 12">
+            <a:extLst>
+              <a:ext uri="{FF2B5EF4-FFF2-40B4-BE49-F238E27FC236}">
+                <a16:creationId xmlns:a16="http://schemas.microsoft.com/office/drawing/2014/main" id="{AC164D25-4888-4E96-9B57-69B29EE334CF}"/>
+              </a:ext>
+            </a:extLst>
+          </p:cNvPr>
+          <p:cNvSpPr/>
           <p:nvPr/>
         </p:nvSpPr>
-        <p:spPr>
-          <a:xfrm rot="1800000">
-            <a:off x="4730817" y="1018831"/>
-            <a:ext cx="2721600" cy="2369033"/>
-          </a:xfrm>
-          <a:prstGeom prst="hexagon">
-            <a:avLst>
-              <a:gd name="adj" fmla="val 28372"/>
-              <a:gd name="vf" fmla="val 115470"/>
-            </a:avLst>
-          </a:prstGeom>
-          <a:solidFill>
-            <a:schemeClr val="accent1"/>
-          </a:solidFill>
-          <a:ln w="69850">
-            <a:solidFill>
-              <a:schemeClr val="tx1"/>
-            </a:solidFill>
-          </a:ln>
-        </p:spPr>
-        <p:style>
-          <a:lnRef idx="2">
-            <a:schemeClr val="accent1">
-              <a:shade val="50000"/>
-            </a:schemeClr>
-          </a:lnRef>
-          <a:fillRef idx="1">
-            <a:schemeClr val="accent1"/>
-          </a:fillRef>
-          <a:effectRef idx="0">
-            <a:schemeClr val="accent1"/>
-          </a:effectRef>
-          <a:fontRef idx="minor">
-            <a:schemeClr val="lt1"/>
-          </a:fontRef>
-        </p:style>
-        <p:txBody>
-          <a:bodyPr rtlCol="0" anchor="ctr"/>
-          <a:lstStyle/>
-          <a:p>
-            <a:pPr algn="ctr"/>
-            <a:endParaRPr lang="en-US" dirty="0"/>
-          </a:p>
-        </p:txBody>
-      </p:sp>
-      <p:pic>
-        <p:nvPicPr>
-          <p:cNvPr id="10" name="Picture 9">
-            <a:extLst>
-              <a:ext uri="{FF2B5EF4-FFF2-40B4-BE49-F238E27FC236}">
-                <a16:creationId xmlns:a16="http://schemas.microsoft.com/office/drawing/2014/main" id="{F0226189-5293-0C4D-AC40-8A0088908CA0}"/>
-              </a:ext>
-            </a:extLst>
-          </p:cNvPr>
-          <p:cNvPicPr>
-            <a:picLocks noChangeAspect="1"/>
-          </p:cNvPicPr>
-          <p:nvPr/>
-        </p:nvPicPr>
-        <p:blipFill>
-          <a:blip r:embed="rId3"/>
-          <a:stretch>
-            <a:fillRect/>
-          </a:stretch>
-        </p:blipFill>
         <p:spPr>
           <a:xfrm>
-            <a:off x="7862363" y="856977"/>
-            <a:ext cx="2438400" cy="2806700"/>
-          </a:xfrm>
-          <a:prstGeom prst="rect">
-            <a:avLst/>
-          </a:prstGeom>
-        </p:spPr>
-      </p:pic>
-      <p:sp>
-        <p:nvSpPr>
-          <p:cNvPr id="3" name="TextBox 2">
-            <a:extLst>
-              <a:ext uri="{FF2B5EF4-FFF2-40B4-BE49-F238E27FC236}">
-                <a16:creationId xmlns:a16="http://schemas.microsoft.com/office/drawing/2014/main" id="{013D18A4-2723-5440-B693-04856A527B7F}"/>
-              </a:ext>
-            </a:extLst>
-          </p:cNvPr>
-          <p:cNvSpPr txBox="1"/>
-          <p:nvPr/>
-        </p:nvSpPr>
-        <p:spPr>
-          <a:xfrm>
-            <a:off x="7747960" y="3900088"/>
-            <a:ext cx="2667205" cy="369332"/>
-          </a:xfrm>
-          <a:prstGeom prst="rect">
-            <a:avLst/>
-          </a:prstGeom>
-          <a:noFill/>
-        </p:spPr>
-        <p:txBody>
-          <a:bodyPr wrap="none" rtlCol="0">
-            <a:spAutoFit/>
-          </a:bodyPr>
-          <a:lstStyle/>
-          <a:p>
-            <a:r>
-              <a:rPr lang="en-US" dirty="0"/>
-              <a:t>http://</a:t>
-            </a:r>
-            <a:r>
-              <a:rPr lang="en-US" dirty="0" err="1"/>
-              <a:t>hexb.in</a:t>
-            </a:r>
-            <a:r>
-              <a:rPr lang="en-US" dirty="0"/>
-              <a:t>/</a:t>
-            </a:r>
-            <a:r>
-              <a:rPr lang="en-US" dirty="0" err="1"/>
-              <a:t>sticker.html</a:t>
-            </a:r>
-            <a:endParaRPr lang="en-US" dirty="0"/>
-          </a:p>
-        </p:txBody>
-      </p:sp>
-      <p:sp>
-        <p:nvSpPr>
-          <p:cNvPr id="13" name="Freeform: Shape 12">
-            <a:extLst>
-              <a:ext uri="{FF2B5EF4-FFF2-40B4-BE49-F238E27FC236}">
-                <a16:creationId xmlns:a16="http://schemas.microsoft.com/office/drawing/2014/main" id="{AC164D25-4888-4E96-9B57-69B29EE334CF}"/>
-              </a:ext>
-            </a:extLst>
-          </p:cNvPr>
-          <p:cNvSpPr/>
-          <p:nvPr/>
-        </p:nvSpPr>
-        <p:spPr>
-          <a:xfrm>
-            <a:off x="4859927" y="4882467"/>
+            <a:off x="1074311" y="5100964"/>
             <a:ext cx="860079" cy="1182176"/>
           </a:xfrm>
           <a:custGeom>
@@ -4816,7 +4873,7 @@
         </p:nvSpPr>
         <p:spPr>
           <a:xfrm flipH="1">
-            <a:off x="5703417" y="4882467"/>
+            <a:off x="1917801" y="5100964"/>
             <a:ext cx="860079" cy="1182176"/>
           </a:xfrm>
           <a:custGeom>
@@ -4942,7 +4999,7 @@
         </p:nvSpPr>
         <p:spPr>
           <a:xfrm flipH="1">
-            <a:off x="6179388" y="4396434"/>
+            <a:off x="2393772" y="4614931"/>
             <a:ext cx="860079" cy="1182176"/>
           </a:xfrm>
           <a:custGeom>
@@ -5060,6 +5117,212 @@
       </p:sp>
       <p:pic>
         <p:nvPicPr>
+          <p:cNvPr id="6" name="Picture 5">
+            <a:extLst>
+              <a:ext uri="{FF2B5EF4-FFF2-40B4-BE49-F238E27FC236}">
+                <a16:creationId xmlns:a16="http://schemas.microsoft.com/office/drawing/2014/main" id="{6D009BE9-7F4A-4BA5-B97F-D04F69BCC23A}"/>
+              </a:ext>
+            </a:extLst>
+          </p:cNvPr>
+          <p:cNvPicPr>
+            <a:picLocks noChangeAspect="1"/>
+          </p:cNvPicPr>
+          <p:nvPr/>
+        </p:nvPicPr>
+        <p:blipFill>
+          <a:blip r:embed="rId2"/>
+          <a:stretch>
+            <a:fillRect/>
+          </a:stretch>
+        </p:blipFill>
+        <p:spPr>
+          <a:xfrm>
+            <a:off x="7835192" y="903587"/>
+            <a:ext cx="1894423" cy="1446189"/>
+          </a:xfrm>
+          <a:prstGeom prst="rect">
+            <a:avLst/>
+          </a:prstGeom>
+        </p:spPr>
+      </p:pic>
+      <p:pic>
+        <p:nvPicPr>
+          <p:cNvPr id="7" name="Picture 6">
+            <a:extLst>
+              <a:ext uri="{FF2B5EF4-FFF2-40B4-BE49-F238E27FC236}">
+                <a16:creationId xmlns:a16="http://schemas.microsoft.com/office/drawing/2014/main" id="{295B7A17-9892-4881-8529-38277900E01B}"/>
+              </a:ext>
+            </a:extLst>
+          </p:cNvPr>
+          <p:cNvPicPr>
+            <a:picLocks noChangeAspect="1"/>
+          </p:cNvPicPr>
+          <p:nvPr/>
+        </p:nvPicPr>
+        <p:blipFill>
+          <a:blip r:embed="rId3"/>
+          <a:stretch>
+            <a:fillRect/>
+          </a:stretch>
+        </p:blipFill>
+        <p:spPr>
+          <a:xfrm>
+            <a:off x="2212847" y="2057400"/>
+            <a:ext cx="1472755" cy="1209584"/>
+          </a:xfrm>
+          <a:prstGeom prst="rect">
+            <a:avLst/>
+          </a:prstGeom>
+        </p:spPr>
+      </p:pic>
+      <p:grpSp>
+        <p:nvGrpSpPr>
+          <p:cNvPr id="55" name="Group 54">
+            <a:extLst>
+              <a:ext uri="{FF2B5EF4-FFF2-40B4-BE49-F238E27FC236}">
+                <a16:creationId xmlns:a16="http://schemas.microsoft.com/office/drawing/2014/main" id="{2EFE18AE-A841-4E0D-85C7-45AA667F946E}"/>
+              </a:ext>
+            </a:extLst>
+          </p:cNvPr>
+          <p:cNvGrpSpPr/>
+          <p:nvPr/>
+        </p:nvGrpSpPr>
+        <p:grpSpPr>
+          <a:xfrm>
+            <a:off x="7552599" y="3477999"/>
+            <a:ext cx="2721600" cy="2369033"/>
+            <a:chOff x="4449163" y="1581680"/>
+            <a:chExt cx="2721600" cy="2369033"/>
+          </a:xfrm>
+        </p:grpSpPr>
+        <p:sp>
+          <p:nvSpPr>
+            <p:cNvPr id="56" name="Hexagon 55">
+              <a:extLst>
+                <a:ext uri="{FF2B5EF4-FFF2-40B4-BE49-F238E27FC236}">
+                  <a16:creationId xmlns:a16="http://schemas.microsoft.com/office/drawing/2014/main" id="{1BF51293-A532-4F7C-99BB-9EC0A9F90887}"/>
+                </a:ext>
+              </a:extLst>
+            </p:cNvPr>
+            <p:cNvSpPr>
+              <a:spLocks noChangeAspect="1"/>
+            </p:cNvSpPr>
+            <p:nvPr/>
+          </p:nvSpPr>
+          <p:spPr>
+            <a:xfrm rot="1800000">
+              <a:off x="4449163" y="1581680"/>
+              <a:ext cx="2721600" cy="2369033"/>
+            </a:xfrm>
+            <a:prstGeom prst="hexagon">
+              <a:avLst>
+                <a:gd name="adj" fmla="val 28372"/>
+                <a:gd name="vf" fmla="val 115470"/>
+              </a:avLst>
+            </a:prstGeom>
+            <a:solidFill>
+              <a:schemeClr val="tx2">
+                <a:lumMod val="20000"/>
+                <a:lumOff val="80000"/>
+              </a:schemeClr>
+            </a:solidFill>
+            <a:ln w="69850">
+              <a:solidFill>
+                <a:schemeClr val="tx1"/>
+              </a:solidFill>
+            </a:ln>
+          </p:spPr>
+          <p:style>
+            <a:lnRef idx="2">
+              <a:schemeClr val="accent1">
+                <a:shade val="50000"/>
+              </a:schemeClr>
+            </a:lnRef>
+            <a:fillRef idx="1">
+              <a:schemeClr val="accent1"/>
+            </a:fillRef>
+            <a:effectRef idx="0">
+              <a:schemeClr val="accent1"/>
+            </a:effectRef>
+            <a:fontRef idx="minor">
+              <a:schemeClr val="lt1"/>
+            </a:fontRef>
+          </p:style>
+          <p:txBody>
+            <a:bodyPr rtlCol="0" anchor="ctr"/>
+            <a:lstStyle/>
+            <a:p>
+              <a:pPr algn="ctr"/>
+              <a:endParaRPr lang="en-US" sz="1100" dirty="0"/>
+            </a:p>
+          </p:txBody>
+        </p:sp>
+        <p:sp>
+          <p:nvSpPr>
+            <p:cNvPr id="57" name="Rectangle 56">
+              <a:extLst>
+                <a:ext uri="{FF2B5EF4-FFF2-40B4-BE49-F238E27FC236}">
+                  <a16:creationId xmlns:a16="http://schemas.microsoft.com/office/drawing/2014/main" id="{14FA5E4A-C4EB-4F1E-9FBB-033F09586733}"/>
+                </a:ext>
+              </a:extLst>
+            </p:cNvPr>
+            <p:cNvSpPr/>
+            <p:nvPr/>
+          </p:nvSpPr>
+          <p:spPr>
+            <a:xfrm rot="179386">
+              <a:off x="4953805" y="1944363"/>
+              <a:ext cx="1708855" cy="1980257"/>
+            </a:xfrm>
+            <a:prstGeom prst="rect">
+              <a:avLst/>
+            </a:prstGeom>
+            <a:noFill/>
+            <a:ln>
+              <a:noFill/>
+            </a:ln>
+            <a:effectLst>
+              <a:outerShdw blurRad="63500" sx="102000" sy="102000" algn="ctr" rotWithShape="0">
+                <a:prstClr val="black">
+                  <a:alpha val="40000"/>
+                </a:prstClr>
+              </a:outerShdw>
+            </a:effectLst>
+          </p:spPr>
+          <p:txBody>
+            <a:bodyPr wrap="square" lIns="91440" tIns="45720" rIns="91440" bIns="45720">
+              <a:prstTxWarp prst="textArchUp">
+                <a:avLst/>
+              </a:prstTxWarp>
+              <a:spAutoFit/>
+            </a:bodyPr>
+            <a:lstStyle/>
+            <a:p>
+              <a:pPr algn="ctr"/>
+              <a:r>
+                <a:rPr lang="en-US" sz="4000" b="1" dirty="0">
+                  <a:ln w="12700">
+                    <a:solidFill>
+                      <a:schemeClr val="accent2"/>
+                    </a:solidFill>
+                    <a:prstDash val="solid"/>
+                  </a:ln>
+                  <a:effectLst>
+                    <a:outerShdw blurRad="50800" dist="38100" dir="5400000" algn="t" rotWithShape="0">
+                      <a:prstClr val="black">
+                        <a:alpha val="40000"/>
+                      </a:prstClr>
+                    </a:outerShdw>
+                  </a:effectLst>
+                </a:rPr>
+                <a:t>MSxplorer</a:t>
+              </a:r>
+            </a:p>
+          </p:txBody>
+        </p:sp>
+      </p:grpSp>
+      <p:pic>
+        <p:nvPicPr>
           <p:cNvPr id="54" name="Picture 53">
             <a:extLst>
               <a:ext uri="{FF2B5EF4-FFF2-40B4-BE49-F238E27FC236}">
@@ -5080,7 +5343,7 @@
         </p:blipFill>
         <p:spPr>
           <a:xfrm>
-            <a:off x="1606270" y="3908513"/>
+            <a:off x="8140730" y="4105240"/>
             <a:ext cx="1815189" cy="1451140"/>
           </a:xfrm>
           <a:prstGeom prst="rect">
